--- a/project outline.pptx
+++ b/project outline.pptx
@@ -107,6 +107,11 @@
       </a:defRPr>
     </a:lvl9pPr>
   </p:defaultTextStyle>
+  <p:extLst>
+    <p:ext uri="{EFAFB233-063F-42B5-8137-9DF3F51BA10A}">
+      <p15:sldGuideLst xmlns:p15="http://schemas.microsoft.com/office/powerpoint/2012/main"/>
+    </p:ext>
+  </p:extLst>
 </p:presentation>
 </file>
 
@@ -3019,7 +3024,7 @@
         </p:nvSpPr>
         <p:spPr>
           <a:xfrm>
-            <a:off x="175253" y="2233534"/>
+            <a:off x="163129" y="2677816"/>
             <a:ext cx="2893102" cy="369332"/>
           </a:xfrm>
           <a:prstGeom prst="rect">
@@ -3053,7 +3058,7 @@
         </p:nvSpPr>
         <p:spPr>
           <a:xfrm>
-            <a:off x="3282846" y="2923081"/>
+            <a:off x="4783033" y="2602866"/>
             <a:ext cx="2503357" cy="646331"/>
           </a:xfrm>
           <a:prstGeom prst="rect">
@@ -3085,7 +3090,7 @@
         </p:nvSpPr>
         <p:spPr>
           <a:xfrm>
-            <a:off x="2030516" y="2633485"/>
+            <a:off x="2838465" y="2677816"/>
             <a:ext cx="1458675" cy="369332"/>
           </a:xfrm>
           <a:prstGeom prst="rect">
@@ -3102,6 +3107,126 @@
             <a:r>
               <a:rPr lang="en-US" dirty="0" smtClean="0"/>
               <a:t>script</a:t>
+            </a:r>
+            <a:endParaRPr lang="en-US" dirty="0"/>
+          </a:p>
+        </p:txBody>
+      </p:sp>
+      <p:sp>
+        <p:nvSpPr>
+          <p:cNvPr id="2" name="TextBox 1"/>
+          <p:cNvSpPr txBox="1"/>
+          <p:nvPr/>
+        </p:nvSpPr>
+        <p:spPr>
+          <a:xfrm>
+            <a:off x="4783033" y="5495359"/>
+            <a:ext cx="1771885" cy="646331"/>
+          </a:xfrm>
+          <a:prstGeom prst="rect">
+            <a:avLst/>
+          </a:prstGeom>
+          <a:noFill/>
+        </p:spPr>
+        <p:txBody>
+          <a:bodyPr wrap="square" rtlCol="0">
+            <a:spAutoFit/>
+          </a:bodyPr>
+          <a:lstStyle/>
+          <a:p>
+            <a:r>
+              <a:rPr lang="en-US" dirty="0" smtClean="0"/>
+              <a:t>Postgres database</a:t>
+            </a:r>
+            <a:endParaRPr lang="en-US" dirty="0"/>
+          </a:p>
+        </p:txBody>
+      </p:sp>
+      <p:sp>
+        <p:nvSpPr>
+          <p:cNvPr id="3" name="TextBox 2"/>
+          <p:cNvSpPr txBox="1"/>
+          <p:nvPr/>
+        </p:nvSpPr>
+        <p:spPr>
+          <a:xfrm>
+            <a:off x="7623176" y="2602866"/>
+            <a:ext cx="1771650" cy="369332"/>
+          </a:xfrm>
+          <a:prstGeom prst="rect">
+            <a:avLst/>
+          </a:prstGeom>
+          <a:noFill/>
+        </p:spPr>
+        <p:txBody>
+          <a:bodyPr wrap="square" rtlCol="0">
+            <a:spAutoFit/>
+          </a:bodyPr>
+          <a:lstStyle/>
+          <a:p>
+            <a:r>
+              <a:rPr lang="en-US" dirty="0" smtClean="0"/>
+              <a:t>website</a:t>
+            </a:r>
+            <a:endParaRPr lang="en-US" dirty="0"/>
+          </a:p>
+        </p:txBody>
+      </p:sp>
+      <p:sp>
+        <p:nvSpPr>
+          <p:cNvPr id="5" name="TextBox 4"/>
+          <p:cNvSpPr txBox="1"/>
+          <p:nvPr/>
+        </p:nvSpPr>
+        <p:spPr>
+          <a:xfrm>
+            <a:off x="6554918" y="1728439"/>
+            <a:ext cx="1140056" cy="369332"/>
+          </a:xfrm>
+          <a:prstGeom prst="rect">
+            <a:avLst/>
+          </a:prstGeom>
+          <a:noFill/>
+        </p:spPr>
+        <p:txBody>
+          <a:bodyPr wrap="none" rtlCol="0">
+            <a:spAutoFit/>
+          </a:bodyPr>
+          <a:lstStyle/>
+          <a:p>
+            <a:r>
+              <a:rPr lang="en-US" dirty="0" smtClean="0"/>
+              <a:t>&lt;- auth. id</a:t>
+            </a:r>
+            <a:endParaRPr lang="en-US" dirty="0"/>
+          </a:p>
+        </p:txBody>
+      </p:sp>
+      <p:sp>
+        <p:nvSpPr>
+          <p:cNvPr id="8" name="TextBox 7"/>
+          <p:cNvSpPr txBox="1"/>
+          <p:nvPr/>
+        </p:nvSpPr>
+        <p:spPr>
+          <a:xfrm>
+            <a:off x="5077975" y="1980986"/>
+            <a:ext cx="2953886" cy="369332"/>
+          </a:xfrm>
+          <a:prstGeom prst="rect">
+            <a:avLst/>
+          </a:prstGeom>
+          <a:noFill/>
+        </p:spPr>
+        <p:txBody>
+          <a:bodyPr wrap="none" rtlCol="0">
+            <a:spAutoFit/>
+          </a:bodyPr>
+          <a:lstStyle/>
+          <a:p>
+            <a:r>
+              <a:rPr lang="en-US" dirty="0" smtClean="0"/>
+              <a:t>Random Gesture sequence -&gt;</a:t>
             </a:r>
             <a:endParaRPr lang="en-US" dirty="0"/>
           </a:p>
